--- a/AIML CA1.pptx
+++ b/AIML CA1.pptx
@@ -123,6 +123,11 @@
       </a:defRPr>
     </a:lvl9pPr>
   </p:defaultTextStyle>
+  <p:extLst>
+    <p:ext uri="{EFAFB233-063F-42B5-8137-9DF3F51BA10A}">
+      <p15:sldGuideLst xmlns:p15="http://schemas.microsoft.com/office/powerpoint/2012/main"/>
+    </p:ext>
+  </p:extLst>
 </p:presentation>
 </file>
 
@@ -275,7 +280,7 @@
           <a:p>
             <a:fld id="{0C7B6E7E-C0B1-44F9-A04D-2EA01712822A}" type="datetimeFigureOut">
               <a:rPr lang="en-SG" smtClean="0"/>
-              <a:t>9/6/2023</a:t>
+              <a:t>2/10/2023</a:t>
             </a:fld>
             <a:endParaRPr lang="en-SG"/>
           </a:p>
@@ -475,7 +480,7 @@
           <a:p>
             <a:fld id="{0C7B6E7E-C0B1-44F9-A04D-2EA01712822A}" type="datetimeFigureOut">
               <a:rPr lang="en-SG" smtClean="0"/>
-              <a:t>9/6/2023</a:t>
+              <a:t>2/10/2023</a:t>
             </a:fld>
             <a:endParaRPr lang="en-SG"/>
           </a:p>
@@ -685,7 +690,7 @@
           <a:p>
             <a:fld id="{0C7B6E7E-C0B1-44F9-A04D-2EA01712822A}" type="datetimeFigureOut">
               <a:rPr lang="en-SG" smtClean="0"/>
-              <a:t>9/6/2023</a:t>
+              <a:t>2/10/2023</a:t>
             </a:fld>
             <a:endParaRPr lang="en-SG"/>
           </a:p>
@@ -885,7 +890,7 @@
           <a:p>
             <a:fld id="{0C7B6E7E-C0B1-44F9-A04D-2EA01712822A}" type="datetimeFigureOut">
               <a:rPr lang="en-SG" smtClean="0"/>
-              <a:t>9/6/2023</a:t>
+              <a:t>2/10/2023</a:t>
             </a:fld>
             <a:endParaRPr lang="en-SG"/>
           </a:p>
@@ -1161,7 +1166,7 @@
           <a:p>
             <a:fld id="{0C7B6E7E-C0B1-44F9-A04D-2EA01712822A}" type="datetimeFigureOut">
               <a:rPr lang="en-SG" smtClean="0"/>
-              <a:t>9/6/2023</a:t>
+              <a:t>2/10/2023</a:t>
             </a:fld>
             <a:endParaRPr lang="en-SG"/>
           </a:p>
@@ -1429,7 +1434,7 @@
           <a:p>
             <a:fld id="{0C7B6E7E-C0B1-44F9-A04D-2EA01712822A}" type="datetimeFigureOut">
               <a:rPr lang="en-SG" smtClean="0"/>
-              <a:t>9/6/2023</a:t>
+              <a:t>2/10/2023</a:t>
             </a:fld>
             <a:endParaRPr lang="en-SG"/>
           </a:p>
@@ -1844,7 +1849,7 @@
           <a:p>
             <a:fld id="{0C7B6E7E-C0B1-44F9-A04D-2EA01712822A}" type="datetimeFigureOut">
               <a:rPr lang="en-SG" smtClean="0"/>
-              <a:t>9/6/2023</a:t>
+              <a:t>2/10/2023</a:t>
             </a:fld>
             <a:endParaRPr lang="en-SG"/>
           </a:p>
@@ -1986,7 +1991,7 @@
           <a:p>
             <a:fld id="{0C7B6E7E-C0B1-44F9-A04D-2EA01712822A}" type="datetimeFigureOut">
               <a:rPr lang="en-SG" smtClean="0"/>
-              <a:t>9/6/2023</a:t>
+              <a:t>2/10/2023</a:t>
             </a:fld>
             <a:endParaRPr lang="en-SG"/>
           </a:p>
@@ -2099,7 +2104,7 @@
           <a:p>
             <a:fld id="{0C7B6E7E-C0B1-44F9-A04D-2EA01712822A}" type="datetimeFigureOut">
               <a:rPr lang="en-SG" smtClean="0"/>
-              <a:t>9/6/2023</a:t>
+              <a:t>2/10/2023</a:t>
             </a:fld>
             <a:endParaRPr lang="en-SG"/>
           </a:p>
@@ -2412,7 +2417,7 @@
           <a:p>
             <a:fld id="{0C7B6E7E-C0B1-44F9-A04D-2EA01712822A}" type="datetimeFigureOut">
               <a:rPr lang="en-SG" smtClean="0"/>
-              <a:t>9/6/2023</a:t>
+              <a:t>2/10/2023</a:t>
             </a:fld>
             <a:endParaRPr lang="en-SG"/>
           </a:p>
@@ -2701,7 +2706,7 @@
           <a:p>
             <a:fld id="{0C7B6E7E-C0B1-44F9-A04D-2EA01712822A}" type="datetimeFigureOut">
               <a:rPr lang="en-SG" smtClean="0"/>
-              <a:t>9/6/2023</a:t>
+              <a:t>2/10/2023</a:t>
             </a:fld>
             <a:endParaRPr lang="en-SG"/>
           </a:p>
@@ -2944,7 +2949,7 @@
           <a:p>
             <a:fld id="{0C7B6E7E-C0B1-44F9-A04D-2EA01712822A}" type="datetimeFigureOut">
               <a:rPr lang="en-SG" smtClean="0"/>
-              <a:t>9/6/2023</a:t>
+              <a:t>2/10/2023</a:t>
             </a:fld>
             <a:endParaRPr lang="en-SG"/>
           </a:p>
@@ -6879,126 +6884,6 @@
               <a:t> is the best performing based on both R2 score and RMSE. The Prediction Error Plot is very close to the ideal.</a:t>
             </a:r>
             <a:endParaRPr lang="en-SG" dirty="0"/>
-          </a:p>
-        </p:txBody>
-      </p:sp>
-      <p:sp>
-        <p:nvSpPr>
-          <p:cNvPr id="11" name="TextBox 10">
-            <a:extLst>
-              <a:ext uri="{FF2B5EF4-FFF2-40B4-BE49-F238E27FC236}">
-                <a16:creationId xmlns:a16="http://schemas.microsoft.com/office/drawing/2014/main" id="{A534C04A-6899-313A-8523-BB83075C5E95}"/>
-              </a:ext>
-            </a:extLst>
-          </p:cNvPr>
-          <p:cNvSpPr txBox="1"/>
-          <p:nvPr/>
-        </p:nvSpPr>
-        <p:spPr>
-          <a:xfrm>
-            <a:off x="3048492" y="1306817"/>
-            <a:ext cx="6096982" cy="4247317"/>
-          </a:xfrm>
-          <a:prstGeom prst="rect">
-            <a:avLst/>
-          </a:prstGeom>
-          <a:noFill/>
-        </p:spPr>
-        <p:txBody>
-          <a:bodyPr wrap="square">
-            <a:spAutoFit/>
-          </a:bodyPr>
-          <a:lstStyle/>
-          <a:p>
-            <a:pPr algn="l">
-              <a:buFont typeface="Arial" panose="020B0604020202020204" pitchFamily="34" charset="0"/>
-              <a:buChar char="•"/>
-            </a:pPr>
-            <a:r>
-              <a:rPr lang="en-US" b="0" i="0" dirty="0">
-                <a:solidFill>
-                  <a:srgbClr val="353535"/>
-                </a:solidFill>
-                <a:effectLst/>
-                <a:latin typeface="Arial" panose="020B0604020202020204" pitchFamily="34" charset="0"/>
-              </a:rPr>
-              <a:t>Hyperparameter Tuning is able to improve both R2 and RMSE scores</a:t>
-            </a:r>
-          </a:p>
-          <a:p>
-            <a:pPr algn="l">
-              <a:buFont typeface="Arial" panose="020B0604020202020204" pitchFamily="34" charset="0"/>
-              <a:buChar char="•"/>
-            </a:pPr>
-            <a:r>
-              <a:rPr lang="en-US" b="0" i="0" dirty="0">
-                <a:solidFill>
-                  <a:srgbClr val="353535"/>
-                </a:solidFill>
-                <a:effectLst/>
-                <a:latin typeface="Arial" panose="020B0604020202020204" pitchFamily="34" charset="0"/>
-              </a:rPr>
-              <a:t>The Artificial Bee Colony Hyperparameter Tuning Algorithm is able to improve both the R2 and RMSE scores more than </a:t>
-            </a:r>
-            <a:r>
-              <a:rPr lang="en-US" b="0" i="0" dirty="0" err="1">
-                <a:solidFill>
-                  <a:srgbClr val="353535"/>
-                </a:solidFill>
-                <a:effectLst/>
-                <a:latin typeface="Arial" panose="020B0604020202020204" pitchFamily="34" charset="0"/>
-              </a:rPr>
-              <a:t>GridSearchCV</a:t>
-            </a:r>
-            <a:endParaRPr lang="en-US" b="0" i="0" dirty="0">
-              <a:solidFill>
-                <a:srgbClr val="353535"/>
-              </a:solidFill>
-              <a:effectLst/>
-              <a:latin typeface="Arial" panose="020B0604020202020204" pitchFamily="34" charset="0"/>
-            </a:endParaRPr>
-          </a:p>
-          <a:p>
-            <a:pPr algn="l">
-              <a:buFont typeface="Arial" panose="020B0604020202020204" pitchFamily="34" charset="0"/>
-              <a:buChar char="•"/>
-            </a:pPr>
-            <a:r>
-              <a:rPr lang="en-US" b="0" i="0" dirty="0" err="1">
-                <a:solidFill>
-                  <a:srgbClr val="353535"/>
-                </a:solidFill>
-                <a:effectLst/>
-                <a:latin typeface="Arial" panose="020B0604020202020204" pitchFamily="34" charset="0"/>
-              </a:rPr>
-              <a:t>GridSearchCV</a:t>
-            </a:r>
-            <a:r>
-              <a:rPr lang="en-US" b="0" i="0" dirty="0">
-                <a:solidFill>
-                  <a:srgbClr val="353535"/>
-                </a:solidFill>
-                <a:effectLst/>
-                <a:latin typeface="Arial" panose="020B0604020202020204" pitchFamily="34" charset="0"/>
-              </a:rPr>
-              <a:t> is computationally wasteful since it tests all combinations of values inside the parameter grid even if similar combinations score badly while ABC is less computationally wasteful since it focusses on hyperparameter combinations that are similar to combinations that it has already scored well.</a:t>
-            </a:r>
-          </a:p>
-          <a:p>
-            <a:pPr algn="l">
-              <a:buFont typeface="Arial" panose="020B0604020202020204" pitchFamily="34" charset="0"/>
-              <a:buChar char="•"/>
-            </a:pPr>
-            <a:r>
-              <a:rPr lang="en-US" b="0" i="0" dirty="0">
-                <a:solidFill>
-                  <a:srgbClr val="353535"/>
-                </a:solidFill>
-                <a:effectLst/>
-                <a:latin typeface="Arial" panose="020B0604020202020204" pitchFamily="34" charset="0"/>
-              </a:rPr>
-              <a:t>ABC is also not restricted to a discrete parameter grid, I only provide it an upper and lower bound of values for integers and floats. This means that it can find a set of parameters that are better than those inside a fixed grid.</a:t>
-            </a:r>
           </a:p>
         </p:txBody>
       </p:sp>
